--- a/projects/validation - single vehicle motion/reports/Pycrash Results 15 mph steer.pptx
+++ b/projects/validation - single vehicle motion/reports/Pycrash Results 15 mph steer.pptx
@@ -13,6 +13,14 @@
     <p:sldId id="261" r:id="rId7"/>
     <p:sldId id="262" r:id="rId8"/>
     <p:sldId id="263" r:id="rId9"/>
+    <p:sldId id="265" r:id="rId10"/>
+    <p:sldId id="264" r:id="rId11"/>
+    <p:sldId id="266" r:id="rId12"/>
+    <p:sldId id="268" r:id="rId13"/>
+    <p:sldId id="270" r:id="rId14"/>
+    <p:sldId id="267" r:id="rId15"/>
+    <p:sldId id="269" r:id="rId16"/>
+    <p:sldId id="271" r:id="rId17"/>
   </p:sldIdLst>
   <p:sldSz cx="12192000" cy="6858000"/>
   <p:notesSz cx="6858000" cy="9144000"/>
@@ -111,12 +119,18 @@
       </a:defRPr>
     </a:lvl9pPr>
   </p:defaultTextStyle>
+  <p:extLst>
+    <p:ext uri="{EFAFB233-063F-42B5-8137-9DF3F51BA10A}">
+      <p15:sldGuideLst xmlns:p15="http://schemas.microsoft.com/office/powerpoint/2012/main"/>
+    </p:ext>
+  </p:extLst>
 </p:presentation>
 </file>
 
 <file path=ppt/revisionInfo.xml><?xml version="1.0" encoding="utf-8"?>
 <p1510:revInfo xmlns:a="http://schemas.openxmlformats.org/drawingml/2006/main" xmlns:r="http://schemas.openxmlformats.org/officeDocument/2006/relationships" xmlns:p1510="http://schemas.microsoft.com/office/powerpoint/2015/10/main">
   <p1510:revLst>
+    <p1510:client id="{D419296E-E52F-475F-910A-631D93E10A93}" v="642" dt="2020-10-06T01:10:00.524"/>
     <p1510:client id="{D45B304D-D94D-49D7-AF86-D7FAD3CC5128}" v="7" dt="2020-10-03T14:31:56.675"/>
   </p1510:revLst>
 </p1510:revInfo>
@@ -277,6 +291,372 @@
       </pc:sldChg>
     </pc:docChg>
   </pc:docChgLst>
+  <pc:docChgLst>
+    <pc:chgData name="Joseph Cormier" userId="260f1994eb51c2be" providerId="Windows Live" clId="Web-{D419296E-E52F-475F-910A-631D93E10A93}"/>
+    <pc:docChg chg="addSld modSld sldOrd">
+      <pc:chgData name="Joseph Cormier" userId="260f1994eb51c2be" providerId="Windows Live" clId="Web-{D419296E-E52F-475F-910A-631D93E10A93}" dt="2020-10-06T01:10:00.524" v="612" actId="1076"/>
+      <pc:docMkLst>
+        <pc:docMk/>
+      </pc:docMkLst>
+      <pc:sldChg chg="modSp">
+        <pc:chgData name="Joseph Cormier" userId="260f1994eb51c2be" providerId="Windows Live" clId="Web-{D419296E-E52F-475F-910A-631D93E10A93}" dt="2020-10-06T00:27:47.046" v="168" actId="20577"/>
+        <pc:sldMkLst>
+          <pc:docMk/>
+          <pc:sldMk cId="2291302144" sldId="256"/>
+        </pc:sldMkLst>
+        <pc:spChg chg="mod">
+          <ac:chgData name="Joseph Cormier" userId="260f1994eb51c2be" providerId="Windows Live" clId="Web-{D419296E-E52F-475F-910A-631D93E10A93}" dt="2020-10-06T00:27:47.046" v="168" actId="20577"/>
+          <ac:spMkLst>
+            <pc:docMk/>
+            <pc:sldMk cId="2291302144" sldId="256"/>
+            <ac:spMk id="3" creationId="{21D8878B-0A3F-4FA7-8D97-CD56974EBDFD}"/>
+          </ac:spMkLst>
+        </pc:spChg>
+      </pc:sldChg>
+      <pc:sldChg chg="addSp delSp modSp">
+        <pc:chgData name="Joseph Cormier" userId="260f1994eb51c2be" providerId="Windows Live" clId="Web-{D419296E-E52F-475F-910A-631D93E10A93}" dt="2020-10-06T00:27:38.452" v="131" actId="1076"/>
+        <pc:sldMkLst>
+          <pc:docMk/>
+          <pc:sldMk cId="1554768172" sldId="257"/>
+        </pc:sldMkLst>
+        <pc:spChg chg="add del mod">
+          <ac:chgData name="Joseph Cormier" userId="260f1994eb51c2be" providerId="Windows Live" clId="Web-{D419296E-E52F-475F-910A-631D93E10A93}" dt="2020-10-06T00:24:59.480" v="55"/>
+          <ac:spMkLst>
+            <pc:docMk/>
+            <pc:sldMk cId="1554768172" sldId="257"/>
+            <ac:spMk id="2" creationId="{F77E47E8-1D01-40AA-8032-0BFEF95C0DCE}"/>
+          </ac:spMkLst>
+        </pc:spChg>
+        <pc:spChg chg="add del mod">
+          <ac:chgData name="Joseph Cormier" userId="260f1994eb51c2be" providerId="Windows Live" clId="Web-{D419296E-E52F-475F-910A-631D93E10A93}" dt="2020-10-06T00:27:34.437" v="128"/>
+          <ac:spMkLst>
+            <pc:docMk/>
+            <pc:sldMk cId="1554768172" sldId="257"/>
+            <ac:spMk id="3" creationId="{4491D4A8-EC43-423C-B283-74DDF19D9BBA}"/>
+          </ac:spMkLst>
+        </pc:spChg>
+        <pc:spChg chg="add del mod">
+          <ac:chgData name="Joseph Cormier" userId="260f1994eb51c2be" providerId="Windows Live" clId="Web-{D419296E-E52F-475F-910A-631D93E10A93}" dt="2020-10-06T00:27:28.187" v="117"/>
+          <ac:spMkLst>
+            <pc:docMk/>
+            <pc:sldMk cId="1554768172" sldId="257"/>
+            <ac:spMk id="5" creationId="{1C4794F1-F644-424B-A2F8-05789DD17621}"/>
+          </ac:spMkLst>
+        </pc:spChg>
+        <pc:spChg chg="add del">
+          <ac:chgData name="Joseph Cormier" userId="260f1994eb51c2be" providerId="Windows Live" clId="Web-{D419296E-E52F-475F-910A-631D93E10A93}" dt="2020-10-06T00:26:05.950" v="94"/>
+          <ac:spMkLst>
+            <pc:docMk/>
+            <pc:sldMk cId="1554768172" sldId="257"/>
+            <ac:spMk id="6" creationId="{2334E2E5-4476-48EE-A418-ABEB14DA96A6}"/>
+          </ac:spMkLst>
+        </pc:spChg>
+        <pc:spChg chg="add del">
+          <ac:chgData name="Joseph Cormier" userId="260f1994eb51c2be" providerId="Windows Live" clId="Web-{D419296E-E52F-475F-910A-631D93E10A93}" dt="2020-10-06T00:26:20.825" v="100"/>
+          <ac:spMkLst>
+            <pc:docMk/>
+            <pc:sldMk cId="1554768172" sldId="257"/>
+            <ac:spMk id="7" creationId="{E2814652-8EC4-43C8-AB2B-120051C1C769}"/>
+          </ac:spMkLst>
+        </pc:spChg>
+        <pc:picChg chg="mod">
+          <ac:chgData name="Joseph Cormier" userId="260f1994eb51c2be" providerId="Windows Live" clId="Web-{D419296E-E52F-475F-910A-631D93E10A93}" dt="2020-10-06T00:27:38.452" v="131" actId="1076"/>
+          <ac:picMkLst>
+            <pc:docMk/>
+            <pc:sldMk cId="1554768172" sldId="257"/>
+            <ac:picMk id="4" creationId="{55331DB1-E269-42FA-9C52-78093389BF73}"/>
+          </ac:picMkLst>
+        </pc:picChg>
+        <pc:picChg chg="add del mod">
+          <ac:chgData name="Joseph Cormier" userId="260f1994eb51c2be" providerId="Windows Live" clId="Web-{D419296E-E52F-475F-910A-631D93E10A93}" dt="2020-10-06T00:27:26.921" v="116"/>
+          <ac:picMkLst>
+            <pc:docMk/>
+            <pc:sldMk cId="1554768172" sldId="257"/>
+            <ac:picMk id="8" creationId="{F6878A70-1BEC-4262-AF16-EC2D2FDF24EC}"/>
+          </ac:picMkLst>
+        </pc:picChg>
+      </pc:sldChg>
+      <pc:sldChg chg="addSp delSp modSp">
+        <pc:chgData name="Joseph Cormier" userId="260f1994eb51c2be" providerId="Windows Live" clId="Web-{D419296E-E52F-475F-910A-631D93E10A93}" dt="2020-10-06T00:27:24.921" v="115" actId="1076"/>
+        <pc:sldMkLst>
+          <pc:docMk/>
+          <pc:sldMk cId="689263968" sldId="260"/>
+        </pc:sldMkLst>
+        <pc:picChg chg="mod">
+          <ac:chgData name="Joseph Cormier" userId="260f1994eb51c2be" providerId="Windows Live" clId="Web-{D419296E-E52F-475F-910A-631D93E10A93}" dt="2020-10-06T00:27:24.921" v="115" actId="1076"/>
+          <ac:picMkLst>
+            <pc:docMk/>
+            <pc:sldMk cId="689263968" sldId="260"/>
+            <ac:picMk id="2" creationId="{E3568E1D-5CAE-474B-993F-377658698C29}"/>
+          </ac:picMkLst>
+        </pc:picChg>
+        <pc:picChg chg="add del mod">
+          <ac:chgData name="Joseph Cormier" userId="260f1994eb51c2be" providerId="Windows Live" clId="Web-{D419296E-E52F-475F-910A-631D93E10A93}" dt="2020-10-06T00:27:23.936" v="114"/>
+          <ac:picMkLst>
+            <pc:docMk/>
+            <pc:sldMk cId="689263968" sldId="260"/>
+            <ac:picMk id="3" creationId="{E9DA1BA0-6920-4776-8914-776B7909D91E}"/>
+          </ac:picMkLst>
+        </pc:picChg>
+      </pc:sldChg>
+      <pc:sldChg chg="addSp delSp modSp new">
+        <pc:chgData name="Joseph Cormier" userId="260f1994eb51c2be" providerId="Windows Live" clId="Web-{D419296E-E52F-475F-910A-631D93E10A93}" dt="2020-10-06T00:37:19.787" v="274" actId="1076"/>
+        <pc:sldMkLst>
+          <pc:docMk/>
+          <pc:sldMk cId="1743522517" sldId="264"/>
+        </pc:sldMkLst>
+        <pc:spChg chg="add del mod">
+          <ac:chgData name="Joseph Cormier" userId="260f1994eb51c2be" providerId="Windows Live" clId="Web-{D419296E-E52F-475F-910A-631D93E10A93}" dt="2020-10-06T00:32:46.397" v="237"/>
+          <ac:spMkLst>
+            <pc:docMk/>
+            <pc:sldMk cId="1743522517" sldId="264"/>
+            <ac:spMk id="2" creationId="{8CE5ABC6-DDB8-4E75-9B1F-3D147E6D4D91}"/>
+          </ac:spMkLst>
+        </pc:spChg>
+        <pc:picChg chg="add mod">
+          <ac:chgData name="Joseph Cormier" userId="260f1994eb51c2be" providerId="Windows Live" clId="Web-{D419296E-E52F-475F-910A-631D93E10A93}" dt="2020-10-06T00:37:16.974" v="272" actId="1076"/>
+          <ac:picMkLst>
+            <pc:docMk/>
+            <pc:sldMk cId="1743522517" sldId="264"/>
+            <ac:picMk id="3" creationId="{278F433F-4CB0-477C-B47C-F0EDC6113987}"/>
+          </ac:picMkLst>
+        </pc:picChg>
+        <pc:picChg chg="add mod">
+          <ac:chgData name="Joseph Cormier" userId="260f1994eb51c2be" providerId="Windows Live" clId="Web-{D419296E-E52F-475F-910A-631D93E10A93}" dt="2020-10-06T00:37:19.787" v="274" actId="1076"/>
+          <ac:picMkLst>
+            <pc:docMk/>
+            <pc:sldMk cId="1743522517" sldId="264"/>
+            <ac:picMk id="4" creationId="{635EA743-9AA2-481E-99A4-03C0A46D81FB}"/>
+          </ac:picMkLst>
+        </pc:picChg>
+      </pc:sldChg>
+      <pc:sldChg chg="modSp add ord replId">
+        <pc:chgData name="Joseph Cormier" userId="260f1994eb51c2be" providerId="Windows Live" clId="Web-{D419296E-E52F-475F-910A-631D93E10A93}" dt="2020-10-06T00:50:58.900" v="292" actId="20577"/>
+        <pc:sldMkLst>
+          <pc:docMk/>
+          <pc:sldMk cId="4022064635" sldId="265"/>
+        </pc:sldMkLst>
+        <pc:spChg chg="mod">
+          <ac:chgData name="Joseph Cormier" userId="260f1994eb51c2be" providerId="Windows Live" clId="Web-{D419296E-E52F-475F-910A-631D93E10A93}" dt="2020-10-06T00:50:58.900" v="292" actId="20577"/>
+          <ac:spMkLst>
+            <pc:docMk/>
+            <pc:sldMk cId="4022064635" sldId="265"/>
+            <ac:spMk id="3" creationId="{21D8878B-0A3F-4FA7-8D97-CD56974EBDFD}"/>
+          </ac:spMkLst>
+        </pc:spChg>
+      </pc:sldChg>
+      <pc:sldChg chg="addSp delSp modSp new">
+        <pc:chgData name="Joseph Cormier" userId="260f1994eb51c2be" providerId="Windows Live" clId="Web-{D419296E-E52F-475F-910A-631D93E10A93}" dt="2020-10-06T01:00:17.617" v="350" actId="1076"/>
+        <pc:sldMkLst>
+          <pc:docMk/>
+          <pc:sldMk cId="2062789410" sldId="266"/>
+        </pc:sldMkLst>
+        <pc:picChg chg="add del mod">
+          <ac:chgData name="Joseph Cormier" userId="260f1994eb51c2be" providerId="Windows Live" clId="Web-{D419296E-E52F-475F-910A-631D93E10A93}" dt="2020-10-06T00:33:31.341" v="249"/>
+          <ac:picMkLst>
+            <pc:docMk/>
+            <pc:sldMk cId="2062789410" sldId="266"/>
+            <ac:picMk id="2" creationId="{7CF56AA3-9F62-48E7-8048-5C0640A234B7}"/>
+          </ac:picMkLst>
+        </pc:picChg>
+        <pc:picChg chg="add mod">
+          <ac:chgData name="Joseph Cormier" userId="260f1994eb51c2be" providerId="Windows Live" clId="Web-{D419296E-E52F-475F-910A-631D93E10A93}" dt="2020-10-06T01:00:16.727" v="349" actId="1076"/>
+          <ac:picMkLst>
+            <pc:docMk/>
+            <pc:sldMk cId="2062789410" sldId="266"/>
+            <ac:picMk id="3" creationId="{CD198E18-FB01-4E3D-9841-4A502990BA9F}"/>
+          </ac:picMkLst>
+        </pc:picChg>
+        <pc:picChg chg="add mod">
+          <ac:chgData name="Joseph Cormier" userId="260f1994eb51c2be" providerId="Windows Live" clId="Web-{D419296E-E52F-475F-910A-631D93E10A93}" dt="2020-10-06T01:00:17.617" v="350" actId="1076"/>
+          <ac:picMkLst>
+            <pc:docMk/>
+            <pc:sldMk cId="2062789410" sldId="266"/>
+            <ac:picMk id="4" creationId="{FD215D0E-B660-4A91-98DB-2C2288F823CC}"/>
+          </ac:picMkLst>
+        </pc:picChg>
+      </pc:sldChg>
+      <pc:sldChg chg="addSp delSp modSp new">
+        <pc:chgData name="Joseph Cormier" userId="260f1994eb51c2be" providerId="Windows Live" clId="Web-{D419296E-E52F-475F-910A-631D93E10A93}" dt="2020-10-06T00:59:01.928" v="339" actId="1076"/>
+        <pc:sldMkLst>
+          <pc:docMk/>
+          <pc:sldMk cId="3991207916" sldId="267"/>
+        </pc:sldMkLst>
+        <pc:spChg chg="add del mod">
+          <ac:chgData name="Joseph Cormier" userId="260f1994eb51c2be" providerId="Windows Live" clId="Web-{D419296E-E52F-475F-910A-631D93E10A93}" dt="2020-10-06T00:58:48.521" v="332"/>
+          <ac:spMkLst>
+            <pc:docMk/>
+            <pc:sldMk cId="3991207916" sldId="267"/>
+            <ac:spMk id="5" creationId="{E27D3B0D-CF5D-4EC1-B041-862560F2EF75}"/>
+          </ac:spMkLst>
+        </pc:spChg>
+        <pc:picChg chg="add del mod">
+          <ac:chgData name="Joseph Cormier" userId="260f1994eb51c2be" providerId="Windows Live" clId="Web-{D419296E-E52F-475F-910A-631D93E10A93}" dt="2020-10-06T00:34:22.764" v="257"/>
+          <ac:picMkLst>
+            <pc:docMk/>
+            <pc:sldMk cId="3991207916" sldId="267"/>
+            <ac:picMk id="2" creationId="{44A5CC2B-6EAC-499E-8E9D-4BE0334BC5C5}"/>
+          </ac:picMkLst>
+        </pc:picChg>
+        <pc:picChg chg="add del mod">
+          <ac:chgData name="Joseph Cormier" userId="260f1994eb51c2be" providerId="Windows Live" clId="Web-{D419296E-E52F-475F-910A-631D93E10A93}" dt="2020-10-06T00:50:24.415" v="275"/>
+          <ac:picMkLst>
+            <pc:docMk/>
+            <pc:sldMk cId="3991207916" sldId="267"/>
+            <ac:picMk id="3" creationId="{ED5FC649-950A-44B4-B8A4-16D73603CC6F}"/>
+          </ac:picMkLst>
+        </pc:picChg>
+        <pc:picChg chg="add mod">
+          <ac:chgData name="Joseph Cormier" userId="260f1994eb51c2be" providerId="Windows Live" clId="Web-{D419296E-E52F-475F-910A-631D93E10A93}" dt="2020-10-06T00:59:00.803" v="338" actId="1076"/>
+          <ac:picMkLst>
+            <pc:docMk/>
+            <pc:sldMk cId="3991207916" sldId="267"/>
+            <ac:picMk id="4" creationId="{49D46461-B9DE-4D43-B5D4-BC1BCA6A753C}"/>
+          </ac:picMkLst>
+        </pc:picChg>
+        <pc:picChg chg="add del mod">
+          <ac:chgData name="Joseph Cormier" userId="260f1994eb51c2be" providerId="Windows Live" clId="Web-{D419296E-E52F-475F-910A-631D93E10A93}" dt="2020-10-06T00:58:44.099" v="326"/>
+          <ac:picMkLst>
+            <pc:docMk/>
+            <pc:sldMk cId="3991207916" sldId="267"/>
+            <ac:picMk id="6" creationId="{F51452DA-3CC5-4E55-83F5-CFE4FD075D7C}"/>
+          </ac:picMkLst>
+        </pc:picChg>
+        <pc:picChg chg="add mod">
+          <ac:chgData name="Joseph Cormier" userId="260f1994eb51c2be" providerId="Windows Live" clId="Web-{D419296E-E52F-475F-910A-631D93E10A93}" dt="2020-10-06T00:59:01.928" v="339" actId="1076"/>
+          <ac:picMkLst>
+            <pc:docMk/>
+            <pc:sldMk cId="3991207916" sldId="267"/>
+            <ac:picMk id="7" creationId="{F4A5E7B7-787D-4026-B631-4FA97964C7ED}"/>
+          </ac:picMkLst>
+        </pc:picChg>
+      </pc:sldChg>
+      <pc:sldChg chg="addSp modSp new ord">
+        <pc:chgData name="Joseph Cormier" userId="260f1994eb51c2be" providerId="Windows Live" clId="Web-{D419296E-E52F-475F-910A-631D93E10A93}" dt="2020-10-06T00:50:44.072" v="287"/>
+        <pc:sldMkLst>
+          <pc:docMk/>
+          <pc:sldMk cId="3828704747" sldId="268"/>
+        </pc:sldMkLst>
+        <pc:picChg chg="add mod">
+          <ac:chgData name="Joseph Cormier" userId="260f1994eb51c2be" providerId="Windows Live" clId="Web-{D419296E-E52F-475F-910A-631D93E10A93}" dt="2020-10-06T00:36:30.770" v="267" actId="14100"/>
+          <ac:picMkLst>
+            <pc:docMk/>
+            <pc:sldMk cId="3828704747" sldId="268"/>
+            <ac:picMk id="2" creationId="{20443152-4B77-4A95-882E-4F89230F5715}"/>
+          </ac:picMkLst>
+        </pc:picChg>
+      </pc:sldChg>
+      <pc:sldChg chg="addSp delSp modSp new">
+        <pc:chgData name="Joseph Cormier" userId="260f1994eb51c2be" providerId="Windows Live" clId="Web-{D419296E-E52F-475F-910A-631D93E10A93}" dt="2020-10-06T00:59:53.554" v="346" actId="1076"/>
+        <pc:sldMkLst>
+          <pc:docMk/>
+          <pc:sldMk cId="3134842714" sldId="269"/>
+        </pc:sldMkLst>
+        <pc:picChg chg="add del mod">
+          <ac:chgData name="Joseph Cormier" userId="260f1994eb51c2be" providerId="Windows Live" clId="Web-{D419296E-E52F-475F-910A-631D93E10A93}" dt="2020-10-06T00:59:38.397" v="341"/>
+          <ac:picMkLst>
+            <pc:docMk/>
+            <pc:sldMk cId="3134842714" sldId="269"/>
+            <ac:picMk id="2" creationId="{6CC6852D-6414-4549-9D90-448C96C6E7B3}"/>
+          </ac:picMkLst>
+        </pc:picChg>
+        <pc:picChg chg="add mod">
+          <ac:chgData name="Joseph Cormier" userId="260f1994eb51c2be" providerId="Windows Live" clId="Web-{D419296E-E52F-475F-910A-631D93E10A93}" dt="2020-10-06T00:59:53.554" v="346" actId="1076"/>
+          <ac:picMkLst>
+            <pc:docMk/>
+            <pc:sldMk cId="3134842714" sldId="269"/>
+            <ac:picMk id="3" creationId="{6A318100-4A22-460E-BD8B-39DBB56C72FA}"/>
+          </ac:picMkLst>
+        </pc:picChg>
+      </pc:sldChg>
+      <pc:sldChg chg="modSp add ord replId">
+        <pc:chgData name="Joseph Cormier" userId="260f1994eb51c2be" providerId="Windows Live" clId="Web-{D419296E-E52F-475F-910A-631D93E10A93}" dt="2020-10-06T00:51:40.698" v="316" actId="20577"/>
+        <pc:sldMkLst>
+          <pc:docMk/>
+          <pc:sldMk cId="2125789612" sldId="270"/>
+        </pc:sldMkLst>
+        <pc:spChg chg="mod">
+          <ac:chgData name="Joseph Cormier" userId="260f1994eb51c2be" providerId="Windows Live" clId="Web-{D419296E-E52F-475F-910A-631D93E10A93}" dt="2020-10-06T00:51:40.698" v="316" actId="20577"/>
+          <ac:spMkLst>
+            <pc:docMk/>
+            <pc:sldMk cId="2125789612" sldId="270"/>
+            <ac:spMk id="3" creationId="{21D8878B-0A3F-4FA7-8D97-CD56974EBDFD}"/>
+          </ac:spMkLst>
+        </pc:spChg>
+      </pc:sldChg>
+      <pc:sldChg chg="addSp modSp new">
+        <pc:chgData name="Joseph Cormier" userId="260f1994eb51c2be" providerId="Windows Live" clId="Web-{D419296E-E52F-475F-910A-631D93E10A93}" dt="2020-10-06T01:10:00.524" v="612" actId="1076"/>
+        <pc:sldMkLst>
+          <pc:docMk/>
+          <pc:sldMk cId="784343645" sldId="271"/>
+        </pc:sldMkLst>
+        <pc:spChg chg="add mod">
+          <ac:chgData name="Joseph Cormier" userId="260f1994eb51c2be" providerId="Windows Live" clId="Web-{D419296E-E52F-475F-910A-631D93E10A93}" dt="2020-10-06T01:08:47.303" v="558" actId="1076"/>
+          <ac:spMkLst>
+            <pc:docMk/>
+            <pc:sldMk cId="784343645" sldId="271"/>
+            <ac:spMk id="2" creationId="{A6EEB619-3DE0-4C47-8027-123BDCA4EF01}"/>
+          </ac:spMkLst>
+        </pc:spChg>
+        <pc:spChg chg="add mod">
+          <ac:chgData name="Joseph Cormier" userId="260f1994eb51c2be" providerId="Windows Live" clId="Web-{D419296E-E52F-475F-910A-631D93E10A93}" dt="2020-10-06T01:08:47.319" v="559" actId="1076"/>
+          <ac:spMkLst>
+            <pc:docMk/>
+            <pc:sldMk cId="784343645" sldId="271"/>
+            <ac:spMk id="3" creationId="{01D0FE12-F166-4759-BD19-1B7D1D017DE1}"/>
+          </ac:spMkLst>
+        </pc:spChg>
+        <pc:spChg chg="add mod">
+          <ac:chgData name="Joseph Cormier" userId="260f1994eb51c2be" providerId="Windows Live" clId="Web-{D419296E-E52F-475F-910A-631D93E10A93}" dt="2020-10-06T01:08:47.319" v="560" actId="1076"/>
+          <ac:spMkLst>
+            <pc:docMk/>
+            <pc:sldMk cId="784343645" sldId="271"/>
+            <ac:spMk id="4" creationId="{6A99CEF1-9C19-4C08-AB3D-42D8747B2E42}"/>
+          </ac:spMkLst>
+        </pc:spChg>
+        <pc:spChg chg="add mod">
+          <ac:chgData name="Joseph Cormier" userId="260f1994eb51c2be" providerId="Windows Live" clId="Web-{D419296E-E52F-475F-910A-631D93E10A93}" dt="2020-10-06T01:08:47.319" v="562" actId="1076"/>
+          <ac:spMkLst>
+            <pc:docMk/>
+            <pc:sldMk cId="784343645" sldId="271"/>
+            <ac:spMk id="6" creationId="{417AD5CF-FD9D-45A1-B1F0-9BFFE4320B04}"/>
+          </ac:spMkLst>
+        </pc:spChg>
+        <pc:spChg chg="add mod">
+          <ac:chgData name="Joseph Cormier" userId="260f1994eb51c2be" providerId="Windows Live" clId="Web-{D419296E-E52F-475F-910A-631D93E10A93}" dt="2020-10-06T01:08:47.334" v="563" actId="1076"/>
+          <ac:spMkLst>
+            <pc:docMk/>
+            <pc:sldMk cId="784343645" sldId="271"/>
+            <ac:spMk id="7" creationId="{6048FA9A-3A78-4FB6-A7CB-FBDF40B22B65}"/>
+          </ac:spMkLst>
+        </pc:spChg>
+        <pc:spChg chg="add mod">
+          <ac:chgData name="Joseph Cormier" userId="260f1994eb51c2be" providerId="Windows Live" clId="Web-{D419296E-E52F-475F-910A-631D93E10A93}" dt="2020-10-06T01:08:43.959" v="557" actId="1076"/>
+          <ac:spMkLst>
+            <pc:docMk/>
+            <pc:sldMk cId="784343645" sldId="271"/>
+            <ac:spMk id="8" creationId="{93D66C32-5C9E-4B72-B9F7-2A82DDF65F16}"/>
+          </ac:spMkLst>
+        </pc:spChg>
+        <pc:spChg chg="add mod">
+          <ac:chgData name="Joseph Cormier" userId="260f1994eb51c2be" providerId="Windows Live" clId="Web-{D419296E-E52F-475F-910A-631D93E10A93}" dt="2020-10-06T01:10:00.524" v="612" actId="1076"/>
+          <ac:spMkLst>
+            <pc:docMk/>
+            <pc:sldMk cId="784343645" sldId="271"/>
+            <ac:spMk id="9" creationId="{B18A78E7-9C04-49B6-80EC-A3513373376B}"/>
+          </ac:spMkLst>
+        </pc:spChg>
+        <pc:cxnChg chg="add mod">
+          <ac:chgData name="Joseph Cormier" userId="260f1994eb51c2be" providerId="Windows Live" clId="Web-{D419296E-E52F-475F-910A-631D93E10A93}" dt="2020-10-06T01:08:47.319" v="561" actId="1076"/>
+          <ac:cxnSpMkLst>
+            <pc:docMk/>
+            <pc:sldMk cId="784343645" sldId="271"/>
+            <ac:cxnSpMk id="5" creationId="{F7C32D8A-366D-47B0-A590-5EFD5FD9FA49}"/>
+          </ac:cxnSpMkLst>
+        </pc:cxnChg>
+      </pc:sldChg>
+    </pc:docChg>
+  </pc:docChgLst>
 </pc:chgInfo>
 </file>
 
@@ -427,7 +807,7 @@
           <a:p>
             <a:fld id="{03870C9C-E5D7-4B45-9496-E42E40903DD1}" type="datetimeFigureOut">
               <a:rPr lang="en-US" smtClean="0"/>
-              <a:t>10/3/2020</a:t>
+              <a:t>10/5/2020</a:t>
             </a:fld>
             <a:endParaRPr lang="en-US"/>
           </a:p>
@@ -625,7 +1005,7 @@
           <a:p>
             <a:fld id="{03870C9C-E5D7-4B45-9496-E42E40903DD1}" type="datetimeFigureOut">
               <a:rPr lang="en-US" smtClean="0"/>
-              <a:t>10/3/2020</a:t>
+              <a:t>10/5/2020</a:t>
             </a:fld>
             <a:endParaRPr lang="en-US"/>
           </a:p>
@@ -833,7 +1213,7 @@
           <a:p>
             <a:fld id="{03870C9C-E5D7-4B45-9496-E42E40903DD1}" type="datetimeFigureOut">
               <a:rPr lang="en-US" smtClean="0"/>
-              <a:t>10/3/2020</a:t>
+              <a:t>10/5/2020</a:t>
             </a:fld>
             <a:endParaRPr lang="en-US"/>
           </a:p>
@@ -1031,7 +1411,7 @@
           <a:p>
             <a:fld id="{03870C9C-E5D7-4B45-9496-E42E40903DD1}" type="datetimeFigureOut">
               <a:rPr lang="en-US" smtClean="0"/>
-              <a:t>10/3/2020</a:t>
+              <a:t>10/5/2020</a:t>
             </a:fld>
             <a:endParaRPr lang="en-US"/>
           </a:p>
@@ -1306,7 +1686,7 @@
           <a:p>
             <a:fld id="{03870C9C-E5D7-4B45-9496-E42E40903DD1}" type="datetimeFigureOut">
               <a:rPr lang="en-US" smtClean="0"/>
-              <a:t>10/3/2020</a:t>
+              <a:t>10/5/2020</a:t>
             </a:fld>
             <a:endParaRPr lang="en-US"/>
           </a:p>
@@ -1571,7 +1951,7 @@
           <a:p>
             <a:fld id="{03870C9C-E5D7-4B45-9496-E42E40903DD1}" type="datetimeFigureOut">
               <a:rPr lang="en-US" smtClean="0"/>
-              <a:t>10/3/2020</a:t>
+              <a:t>10/5/2020</a:t>
             </a:fld>
             <a:endParaRPr lang="en-US"/>
           </a:p>
@@ -1983,7 +2363,7 @@
           <a:p>
             <a:fld id="{03870C9C-E5D7-4B45-9496-E42E40903DD1}" type="datetimeFigureOut">
               <a:rPr lang="en-US" smtClean="0"/>
-              <a:t>10/3/2020</a:t>
+              <a:t>10/5/2020</a:t>
             </a:fld>
             <a:endParaRPr lang="en-US"/>
           </a:p>
@@ -2124,7 +2504,7 @@
           <a:p>
             <a:fld id="{03870C9C-E5D7-4B45-9496-E42E40903DD1}" type="datetimeFigureOut">
               <a:rPr lang="en-US" smtClean="0"/>
-              <a:t>10/3/2020</a:t>
+              <a:t>10/5/2020</a:t>
             </a:fld>
             <a:endParaRPr lang="en-US"/>
           </a:p>
@@ -2237,7 +2617,7 @@
           <a:p>
             <a:fld id="{03870C9C-E5D7-4B45-9496-E42E40903DD1}" type="datetimeFigureOut">
               <a:rPr lang="en-US" smtClean="0"/>
-              <a:t>10/3/2020</a:t>
+              <a:t>10/5/2020</a:t>
             </a:fld>
             <a:endParaRPr lang="en-US"/>
           </a:p>
@@ -2548,7 +2928,7 @@
           <a:p>
             <a:fld id="{03870C9C-E5D7-4B45-9496-E42E40903DD1}" type="datetimeFigureOut">
               <a:rPr lang="en-US" smtClean="0"/>
-              <a:t>10/3/2020</a:t>
+              <a:t>10/5/2020</a:t>
             </a:fld>
             <a:endParaRPr lang="en-US"/>
           </a:p>
@@ -2836,7 +3216,7 @@
           <a:p>
             <a:fld id="{03870C9C-E5D7-4B45-9496-E42E40903DD1}" type="datetimeFigureOut">
               <a:rPr lang="en-US" smtClean="0"/>
-              <a:t>10/3/2020</a:t>
+              <a:t>10/5/2020</a:t>
             </a:fld>
             <a:endParaRPr lang="en-US"/>
           </a:p>
@@ -3077,7 +3457,7 @@
           <a:p>
             <a:fld id="{03870C9C-E5D7-4B45-9496-E42E40903DD1}" type="datetimeFigureOut">
               <a:rPr lang="en-US" smtClean="0"/>
-              <a:t>10/3/2020</a:t>
+              <a:t>10/5/2020</a:t>
             </a:fld>
             <a:endParaRPr lang="en-US"/>
           </a:p>
@@ -3516,7 +3896,7 @@
           <a:lstStyle/>
           <a:p>
             <a:r>
-              <a:rPr lang="en-US" dirty="0"/>
+              <a:rPr lang="en-US"/>
               <a:t>PC Crash – 15 mph Steer Comparison</a:t>
             </a:r>
           </a:p>
@@ -3540,10 +3920,31 @@
         </p:nvSpPr>
         <p:spPr/>
         <p:txBody>
-          <a:bodyPr/>
-          <a:lstStyle/>
-          <a:p>
-            <a:endParaRPr lang="en-US"/>
+          <a:bodyPr vert="horz" lIns="91440" tIns="45720" rIns="91440" bIns="45720" rtlCol="0" anchor="t">
+            <a:normAutofit/>
+          </a:bodyPr>
+          <a:lstStyle/>
+          <a:p>
+            <a:r>
+              <a:rPr lang="en-US">
+                <a:cs typeface="Calibri"/>
+              </a:rPr>
+              <a:t>Original PC Crash Model</a:t>
+            </a:r>
+          </a:p>
+          <a:p>
+            <a:r>
+              <a:rPr lang="en-US" err="1">
+                <a:cs typeface="Calibri"/>
+              </a:rPr>
+              <a:t>Pycrash</a:t>
+            </a:r>
+            <a:r>
+              <a:rPr lang="en-US">
+                <a:cs typeface="Calibri"/>
+              </a:rPr>
+              <a:t> CG height = 2 ft</a:t>
+            </a:r>
           </a:p>
         </p:txBody>
       </p:sp>
@@ -3551,6 +3952,844 @@
     <p:extLst>
       <p:ext uri="{BB962C8B-B14F-4D97-AF65-F5344CB8AC3E}">
         <p14:creationId xmlns:p14="http://schemas.microsoft.com/office/powerpoint/2010/main" val="2291302144"/>
+      </p:ext>
+    </p:extLst>
+  </p:cSld>
+  <p:clrMapOvr>
+    <a:masterClrMapping/>
+  </p:clrMapOvr>
+</p:sld>
+</file>
+
+<file path=ppt/slides/slide10.xml><?xml version="1.0" encoding="utf-8"?>
+<p:sld xmlns:a="http://schemas.openxmlformats.org/drawingml/2006/main" xmlns:r="http://schemas.openxmlformats.org/officeDocument/2006/relationships" xmlns:p="http://schemas.openxmlformats.org/presentationml/2006/main">
+  <p:cSld>
+    <p:spTree>
+      <p:nvGrpSpPr>
+        <p:cNvPr id="1" name=""/>
+        <p:cNvGrpSpPr/>
+        <p:nvPr/>
+      </p:nvGrpSpPr>
+      <p:grpSpPr>
+        <a:xfrm>
+          <a:off x="0" y="0"/>
+          <a:ext cx="0" cy="0"/>
+          <a:chOff x="0" y="0"/>
+          <a:chExt cx="0" cy="0"/>
+        </a:xfrm>
+      </p:grpSpPr>
+      <p:pic>
+        <p:nvPicPr>
+          <p:cNvPr id="3" name="Picture 3" descr="Chart&#10;&#10;Description automatically generated">
+            <a:extLst>
+              <a:ext uri="{FF2B5EF4-FFF2-40B4-BE49-F238E27FC236}">
+                <a16:creationId xmlns:a16="http://schemas.microsoft.com/office/drawing/2014/main" id="{278F433F-4CB0-477C-B47C-F0EDC6113987}"/>
+              </a:ext>
+            </a:extLst>
+          </p:cNvPr>
+          <p:cNvPicPr>
+            <a:picLocks noChangeAspect="1"/>
+          </p:cNvPicPr>
+          <p:nvPr/>
+        </p:nvPicPr>
+        <p:blipFill>
+          <a:blip r:embed="rId2"/>
+          <a:stretch>
+            <a:fillRect/>
+          </a:stretch>
+        </p:blipFill>
+        <p:spPr>
+          <a:xfrm>
+            <a:off x="-21064" y="1501639"/>
+            <a:ext cx="7228467" cy="4096330"/>
+          </a:xfrm>
+          <a:prstGeom prst="rect">
+            <a:avLst/>
+          </a:prstGeom>
+        </p:spPr>
+      </p:pic>
+      <p:pic>
+        <p:nvPicPr>
+          <p:cNvPr id="4" name="Picture 4" descr="A picture containing chart&#10;&#10;Description automatically generated">
+            <a:extLst>
+              <a:ext uri="{FF2B5EF4-FFF2-40B4-BE49-F238E27FC236}">
+                <a16:creationId xmlns:a16="http://schemas.microsoft.com/office/drawing/2014/main" id="{635EA743-9AA2-481E-99A4-03C0A46D81FB}"/>
+              </a:ext>
+            </a:extLst>
+          </p:cNvPr>
+          <p:cNvPicPr>
+            <a:picLocks noChangeAspect="1"/>
+          </p:cNvPicPr>
+          <p:nvPr/>
+        </p:nvPicPr>
+        <p:blipFill>
+          <a:blip r:embed="rId3"/>
+          <a:stretch>
+            <a:fillRect/>
+          </a:stretch>
+        </p:blipFill>
+        <p:spPr>
+          <a:xfrm>
+            <a:off x="6279376" y="1621376"/>
+            <a:ext cx="5977053" cy="3231150"/>
+          </a:xfrm>
+          <a:prstGeom prst="rect">
+            <a:avLst/>
+          </a:prstGeom>
+        </p:spPr>
+      </p:pic>
+    </p:spTree>
+    <p:extLst>
+      <p:ext uri="{BB962C8B-B14F-4D97-AF65-F5344CB8AC3E}">
+        <p14:creationId xmlns:p14="http://schemas.microsoft.com/office/powerpoint/2010/main" val="1743522517"/>
+      </p:ext>
+    </p:extLst>
+  </p:cSld>
+  <p:clrMapOvr>
+    <a:masterClrMapping/>
+  </p:clrMapOvr>
+</p:sld>
+</file>
+
+<file path=ppt/slides/slide11.xml><?xml version="1.0" encoding="utf-8"?>
+<p:sld xmlns:a="http://schemas.openxmlformats.org/drawingml/2006/main" xmlns:r="http://schemas.openxmlformats.org/officeDocument/2006/relationships" xmlns:p="http://schemas.openxmlformats.org/presentationml/2006/main">
+  <p:cSld>
+    <p:spTree>
+      <p:nvGrpSpPr>
+        <p:cNvPr id="1" name=""/>
+        <p:cNvGrpSpPr/>
+        <p:nvPr/>
+      </p:nvGrpSpPr>
+      <p:grpSpPr>
+        <a:xfrm>
+          <a:off x="0" y="0"/>
+          <a:ext cx="0" cy="0"/>
+          <a:chOff x="0" y="0"/>
+          <a:chExt cx="0" cy="0"/>
+        </a:xfrm>
+      </p:grpSpPr>
+      <p:pic>
+        <p:nvPicPr>
+          <p:cNvPr id="3" name="Picture 3" descr="Chart, line chart&#10;&#10;Description automatically generated">
+            <a:extLst>
+              <a:ext uri="{FF2B5EF4-FFF2-40B4-BE49-F238E27FC236}">
+                <a16:creationId xmlns:a16="http://schemas.microsoft.com/office/drawing/2014/main" id="{CD198E18-FB01-4E3D-9841-4A502990BA9F}"/>
+              </a:ext>
+            </a:extLst>
+          </p:cNvPr>
+          <p:cNvPicPr>
+            <a:picLocks noChangeAspect="1"/>
+          </p:cNvPicPr>
+          <p:nvPr/>
+        </p:nvPicPr>
+        <p:blipFill>
+          <a:blip r:embed="rId2"/>
+          <a:stretch>
+            <a:fillRect/>
+          </a:stretch>
+        </p:blipFill>
+        <p:spPr>
+          <a:xfrm>
+            <a:off x="494282" y="908222"/>
+            <a:ext cx="5430953" cy="5296301"/>
+          </a:xfrm>
+          <a:prstGeom prst="rect">
+            <a:avLst/>
+          </a:prstGeom>
+        </p:spPr>
+      </p:pic>
+      <p:pic>
+        <p:nvPicPr>
+          <p:cNvPr id="4" name="Picture 4" descr="Chart, line chart&#10;&#10;Description automatically generated">
+            <a:extLst>
+              <a:ext uri="{FF2B5EF4-FFF2-40B4-BE49-F238E27FC236}">
+                <a16:creationId xmlns:a16="http://schemas.microsoft.com/office/drawing/2014/main" id="{FD215D0E-B660-4A91-98DB-2C2288F823CC}"/>
+              </a:ext>
+            </a:extLst>
+          </p:cNvPr>
+          <p:cNvPicPr>
+            <a:picLocks noChangeAspect="1"/>
+          </p:cNvPicPr>
+          <p:nvPr/>
+        </p:nvPicPr>
+        <p:blipFill>
+          <a:blip r:embed="rId3"/>
+          <a:stretch>
+            <a:fillRect/>
+          </a:stretch>
+        </p:blipFill>
+        <p:spPr>
+          <a:xfrm>
+            <a:off x="6194871" y="812541"/>
+            <a:ext cx="5727700" cy="5590583"/>
+          </a:xfrm>
+          <a:prstGeom prst="rect">
+            <a:avLst/>
+          </a:prstGeom>
+        </p:spPr>
+      </p:pic>
+    </p:spTree>
+    <p:extLst>
+      <p:ext uri="{BB962C8B-B14F-4D97-AF65-F5344CB8AC3E}">
+        <p14:creationId xmlns:p14="http://schemas.microsoft.com/office/powerpoint/2010/main" val="2062789410"/>
+      </p:ext>
+    </p:extLst>
+  </p:cSld>
+  <p:clrMapOvr>
+    <a:masterClrMapping/>
+  </p:clrMapOvr>
+</p:sld>
+</file>
+
+<file path=ppt/slides/slide12.xml><?xml version="1.0" encoding="utf-8"?>
+<p:sld xmlns:a="http://schemas.openxmlformats.org/drawingml/2006/main" xmlns:r="http://schemas.openxmlformats.org/officeDocument/2006/relationships" xmlns:p="http://schemas.openxmlformats.org/presentationml/2006/main">
+  <p:cSld>
+    <p:spTree>
+      <p:nvGrpSpPr>
+        <p:cNvPr id="1" name=""/>
+        <p:cNvGrpSpPr/>
+        <p:nvPr/>
+      </p:nvGrpSpPr>
+      <p:grpSpPr>
+        <a:xfrm>
+          <a:off x="0" y="0"/>
+          <a:ext cx="0" cy="0"/>
+          <a:chOff x="0" y="0"/>
+          <a:chExt cx="0" cy="0"/>
+        </a:xfrm>
+      </p:grpSpPr>
+      <p:pic>
+        <p:nvPicPr>
+          <p:cNvPr id="2" name="Picture 2" descr="Chart&#10;&#10;Description automatically generated">
+            <a:extLst>
+              <a:ext uri="{FF2B5EF4-FFF2-40B4-BE49-F238E27FC236}">
+                <a16:creationId xmlns:a16="http://schemas.microsoft.com/office/drawing/2014/main" id="{20443152-4B77-4A95-882E-4F89230F5715}"/>
+              </a:ext>
+            </a:extLst>
+          </p:cNvPr>
+          <p:cNvPicPr>
+            <a:picLocks noChangeAspect="1"/>
+          </p:cNvPicPr>
+          <p:nvPr/>
+        </p:nvPicPr>
+        <p:blipFill>
+          <a:blip r:embed="rId2"/>
+          <a:stretch>
+            <a:fillRect/>
+          </a:stretch>
+        </p:blipFill>
+        <p:spPr>
+          <a:xfrm>
+            <a:off x="387815" y="273936"/>
+            <a:ext cx="6714273" cy="6477396"/>
+          </a:xfrm>
+          <a:prstGeom prst="rect">
+            <a:avLst/>
+          </a:prstGeom>
+        </p:spPr>
+      </p:pic>
+    </p:spTree>
+    <p:extLst>
+      <p:ext uri="{BB962C8B-B14F-4D97-AF65-F5344CB8AC3E}">
+        <p14:creationId xmlns:p14="http://schemas.microsoft.com/office/powerpoint/2010/main" val="3828704747"/>
+      </p:ext>
+    </p:extLst>
+  </p:cSld>
+  <p:clrMapOvr>
+    <a:masterClrMapping/>
+  </p:clrMapOvr>
+</p:sld>
+</file>
+
+<file path=ppt/slides/slide13.xml><?xml version="1.0" encoding="utf-8"?>
+<p:sld xmlns:a="http://schemas.openxmlformats.org/drawingml/2006/main" xmlns:r="http://schemas.openxmlformats.org/officeDocument/2006/relationships" xmlns:p="http://schemas.openxmlformats.org/presentationml/2006/main">
+  <p:cSld>
+    <p:spTree>
+      <p:nvGrpSpPr>
+        <p:cNvPr id="1" name=""/>
+        <p:cNvGrpSpPr/>
+        <p:nvPr/>
+      </p:nvGrpSpPr>
+      <p:grpSpPr>
+        <a:xfrm>
+          <a:off x="0" y="0"/>
+          <a:ext cx="0" cy="0"/>
+          <a:chOff x="0" y="0"/>
+          <a:chExt cx="0" cy="0"/>
+        </a:xfrm>
+      </p:grpSpPr>
+      <p:sp>
+        <p:nvSpPr>
+          <p:cNvPr id="2" name="Title 1">
+            <a:extLst>
+              <a:ext uri="{FF2B5EF4-FFF2-40B4-BE49-F238E27FC236}">
+                <a16:creationId xmlns:a16="http://schemas.microsoft.com/office/drawing/2014/main" id="{6680F515-41F3-493B-99D6-C41A6C9A269B}"/>
+              </a:ext>
+            </a:extLst>
+          </p:cNvPr>
+          <p:cNvSpPr>
+            <a:spLocks noGrp="1"/>
+          </p:cNvSpPr>
+          <p:nvPr>
+            <p:ph type="ctrTitle"/>
+          </p:nvPr>
+        </p:nvSpPr>
+        <p:spPr/>
+        <p:txBody>
+          <a:bodyPr/>
+          <a:lstStyle/>
+          <a:p>
+            <a:r>
+              <a:rPr lang="en-US"/>
+              <a:t>PC Crash – 15 mph Steer Comparison</a:t>
+            </a:r>
+          </a:p>
+        </p:txBody>
+      </p:sp>
+      <p:sp>
+        <p:nvSpPr>
+          <p:cNvPr id="3" name="Subtitle 2">
+            <a:extLst>
+              <a:ext uri="{FF2B5EF4-FFF2-40B4-BE49-F238E27FC236}">
+                <a16:creationId xmlns:a16="http://schemas.microsoft.com/office/drawing/2014/main" id="{21D8878B-0A3F-4FA7-8D97-CD56974EBDFD}"/>
+              </a:ext>
+            </a:extLst>
+          </p:cNvPr>
+          <p:cNvSpPr>
+            <a:spLocks noGrp="1"/>
+          </p:cNvSpPr>
+          <p:nvPr>
+            <p:ph type="subTitle" idx="1"/>
+          </p:nvPr>
+        </p:nvSpPr>
+        <p:spPr/>
+        <p:txBody>
+          <a:bodyPr vert="horz" lIns="91440" tIns="45720" rIns="91440" bIns="45720" rtlCol="0" anchor="t">
+            <a:normAutofit/>
+          </a:bodyPr>
+          <a:lstStyle/>
+          <a:p>
+            <a:r>
+              <a:rPr lang="en-US">
+                <a:ea typeface="+mn-lt"/>
+                <a:cs typeface="+mn-lt"/>
+              </a:rPr>
+              <a:t>PC Crash – Rigid Suspension</a:t>
+            </a:r>
+          </a:p>
+          <a:p>
+            <a:r>
+              <a:rPr lang="en-US" err="1">
+                <a:ea typeface="+mn-lt"/>
+                <a:cs typeface="+mn-lt"/>
+              </a:rPr>
+              <a:t>Pycrash</a:t>
+            </a:r>
+            <a:r>
+              <a:rPr lang="en-US">
+                <a:ea typeface="+mn-lt"/>
+                <a:cs typeface="+mn-lt"/>
+              </a:rPr>
+              <a:t> CG height = 0 ft</a:t>
+            </a:r>
+            <a:endParaRPr lang="en-US"/>
+          </a:p>
+        </p:txBody>
+      </p:sp>
+    </p:spTree>
+    <p:extLst>
+      <p:ext uri="{BB962C8B-B14F-4D97-AF65-F5344CB8AC3E}">
+        <p14:creationId xmlns:p14="http://schemas.microsoft.com/office/powerpoint/2010/main" val="2125789612"/>
+      </p:ext>
+    </p:extLst>
+  </p:cSld>
+  <p:clrMapOvr>
+    <a:masterClrMapping/>
+  </p:clrMapOvr>
+</p:sld>
+</file>
+
+<file path=ppt/slides/slide14.xml><?xml version="1.0" encoding="utf-8"?>
+<p:sld xmlns:a="http://schemas.openxmlformats.org/drawingml/2006/main" xmlns:r="http://schemas.openxmlformats.org/officeDocument/2006/relationships" xmlns:p="http://schemas.openxmlformats.org/presentationml/2006/main">
+  <p:cSld>
+    <p:spTree>
+      <p:nvGrpSpPr>
+        <p:cNvPr id="1" name=""/>
+        <p:cNvGrpSpPr/>
+        <p:nvPr/>
+      </p:nvGrpSpPr>
+      <p:grpSpPr>
+        <a:xfrm>
+          <a:off x="0" y="0"/>
+          <a:ext cx="0" cy="0"/>
+          <a:chOff x="0" y="0"/>
+          <a:chExt cx="0" cy="0"/>
+        </a:xfrm>
+      </p:grpSpPr>
+      <p:pic>
+        <p:nvPicPr>
+          <p:cNvPr id="4" name="Picture 4" descr="Chart, line chart&#10;&#10;Description automatically generated">
+            <a:extLst>
+              <a:ext uri="{FF2B5EF4-FFF2-40B4-BE49-F238E27FC236}">
+                <a16:creationId xmlns:a16="http://schemas.microsoft.com/office/drawing/2014/main" id="{49D46461-B9DE-4D43-B5D4-BC1BCA6A753C}"/>
+              </a:ext>
+            </a:extLst>
+          </p:cNvPr>
+          <p:cNvPicPr>
+            <a:picLocks noChangeAspect="1"/>
+          </p:cNvPicPr>
+          <p:nvPr/>
+        </p:nvPicPr>
+        <p:blipFill>
+          <a:blip r:embed="rId2"/>
+          <a:stretch>
+            <a:fillRect/>
+          </a:stretch>
+        </p:blipFill>
+        <p:spPr>
+          <a:xfrm>
+            <a:off x="165100" y="819592"/>
+            <a:ext cx="5962650" cy="5714116"/>
+          </a:xfrm>
+          <a:prstGeom prst="rect">
+            <a:avLst/>
+          </a:prstGeom>
+        </p:spPr>
+      </p:pic>
+      <p:pic>
+        <p:nvPicPr>
+          <p:cNvPr id="7" name="Picture 7" descr="Chart, line chart&#10;&#10;Description automatically generated">
+            <a:extLst>
+              <a:ext uri="{FF2B5EF4-FFF2-40B4-BE49-F238E27FC236}">
+                <a16:creationId xmlns:a16="http://schemas.microsoft.com/office/drawing/2014/main" id="{F4A5E7B7-787D-4026-B631-4FA97964C7ED}"/>
+              </a:ext>
+            </a:extLst>
+          </p:cNvPr>
+          <p:cNvPicPr>
+            <a:picLocks noChangeAspect="1"/>
+          </p:cNvPicPr>
+          <p:nvPr/>
+        </p:nvPicPr>
+        <p:blipFill>
+          <a:blip r:embed="rId3"/>
+          <a:stretch>
+            <a:fillRect/>
+          </a:stretch>
+        </p:blipFill>
+        <p:spPr>
+          <a:xfrm>
+            <a:off x="6203950" y="688016"/>
+            <a:ext cx="5778500" cy="5666118"/>
+          </a:xfrm>
+          <a:prstGeom prst="rect">
+            <a:avLst/>
+          </a:prstGeom>
+        </p:spPr>
+      </p:pic>
+    </p:spTree>
+    <p:extLst>
+      <p:ext uri="{BB962C8B-B14F-4D97-AF65-F5344CB8AC3E}">
+        <p14:creationId xmlns:p14="http://schemas.microsoft.com/office/powerpoint/2010/main" val="3991207916"/>
+      </p:ext>
+    </p:extLst>
+  </p:cSld>
+  <p:clrMapOvr>
+    <a:masterClrMapping/>
+  </p:clrMapOvr>
+</p:sld>
+</file>
+
+<file path=ppt/slides/slide15.xml><?xml version="1.0" encoding="utf-8"?>
+<p:sld xmlns:a="http://schemas.openxmlformats.org/drawingml/2006/main" xmlns:r="http://schemas.openxmlformats.org/officeDocument/2006/relationships" xmlns:p="http://schemas.openxmlformats.org/presentationml/2006/main">
+  <p:cSld>
+    <p:spTree>
+      <p:nvGrpSpPr>
+        <p:cNvPr id="1" name=""/>
+        <p:cNvGrpSpPr/>
+        <p:nvPr/>
+      </p:nvGrpSpPr>
+      <p:grpSpPr>
+        <a:xfrm>
+          <a:off x="0" y="0"/>
+          <a:ext cx="0" cy="0"/>
+          <a:chOff x="0" y="0"/>
+          <a:chExt cx="0" cy="0"/>
+        </a:xfrm>
+      </p:grpSpPr>
+      <p:pic>
+        <p:nvPicPr>
+          <p:cNvPr id="3" name="Picture 3" descr="Chart, line chart&#10;&#10;Description automatically generated">
+            <a:extLst>
+              <a:ext uri="{FF2B5EF4-FFF2-40B4-BE49-F238E27FC236}">
+                <a16:creationId xmlns:a16="http://schemas.microsoft.com/office/drawing/2014/main" id="{6A318100-4A22-460E-BD8B-39DBB56C72FA}"/>
+              </a:ext>
+            </a:extLst>
+          </p:cNvPr>
+          <p:cNvPicPr>
+            <a:picLocks noChangeAspect="1"/>
+          </p:cNvPicPr>
+          <p:nvPr/>
+        </p:nvPicPr>
+        <p:blipFill>
+          <a:blip r:embed="rId2"/>
+          <a:stretch>
+            <a:fillRect/>
+          </a:stretch>
+        </p:blipFill>
+        <p:spPr>
+          <a:xfrm>
+            <a:off x="666750" y="249804"/>
+            <a:ext cx="6477000" cy="6352041"/>
+          </a:xfrm>
+          <a:prstGeom prst="rect">
+            <a:avLst/>
+          </a:prstGeom>
+        </p:spPr>
+      </p:pic>
+    </p:spTree>
+    <p:extLst>
+      <p:ext uri="{BB962C8B-B14F-4D97-AF65-F5344CB8AC3E}">
+        <p14:creationId xmlns:p14="http://schemas.microsoft.com/office/powerpoint/2010/main" val="3134842714"/>
+      </p:ext>
+    </p:extLst>
+  </p:cSld>
+  <p:clrMapOvr>
+    <a:masterClrMapping/>
+  </p:clrMapOvr>
+</p:sld>
+</file>
+
+<file path=ppt/slides/slide16.xml><?xml version="1.0" encoding="utf-8"?>
+<p:sld xmlns:a="http://schemas.openxmlformats.org/drawingml/2006/main" xmlns:r="http://schemas.openxmlformats.org/officeDocument/2006/relationships" xmlns:p="http://schemas.openxmlformats.org/presentationml/2006/main">
+  <p:cSld>
+    <p:spTree>
+      <p:nvGrpSpPr>
+        <p:cNvPr id="1" name=""/>
+        <p:cNvGrpSpPr/>
+        <p:nvPr/>
+      </p:nvGrpSpPr>
+      <p:grpSpPr>
+        <a:xfrm>
+          <a:off x="0" y="0"/>
+          <a:ext cx="0" cy="0"/>
+          <a:chOff x="0" y="0"/>
+          <a:chExt cx="0" cy="0"/>
+        </a:xfrm>
+      </p:grpSpPr>
+      <p:sp>
+        <p:nvSpPr>
+          <p:cNvPr id="2" name="TextBox 1">
+            <a:extLst>
+              <a:ext uri="{FF2B5EF4-FFF2-40B4-BE49-F238E27FC236}">
+                <a16:creationId xmlns:a16="http://schemas.microsoft.com/office/drawing/2014/main" id="{A6EEB619-3DE0-4C47-8027-123BDCA4EF01}"/>
+              </a:ext>
+            </a:extLst>
+          </p:cNvPr>
+          <p:cNvSpPr txBox="1"/>
+          <p:nvPr/>
+        </p:nvSpPr>
+        <p:spPr>
+          <a:xfrm>
+            <a:off x="2625876" y="2244876"/>
+            <a:ext cx="2743200" cy="369332"/>
+          </a:xfrm>
+          <a:prstGeom prst="rect">
+            <a:avLst/>
+          </a:prstGeom>
+          <a:noFill/>
+        </p:spPr>
+        <p:txBody>
+          <a:bodyPr rot="0" spcFirstLastPara="0" vertOverflow="overflow" horzOverflow="overflow" vert="horz" wrap="square" lIns="91440" tIns="45720" rIns="91440" bIns="45720" numCol="1" spcCol="0" rtlCol="0" fromWordArt="0" anchor="t" anchorCtr="0" forceAA="0" compatLnSpc="1">
+            <a:prstTxWarp prst="textNoShape">
+              <a:avLst/>
+            </a:prstTxWarp>
+            <a:spAutoFit/>
+          </a:bodyPr>
+          <a:lstStyle/>
+          <a:p>
+            <a:r>
+              <a:rPr lang="en-US"/>
+              <a:t>Lateral force = </a:t>
+            </a:r>
+            <a:endParaRPr lang="en-US">
+              <a:cs typeface="Calibri"/>
+            </a:endParaRPr>
+          </a:p>
+        </p:txBody>
+      </p:sp>
+      <p:sp>
+        <p:nvSpPr>
+          <p:cNvPr id="3" name="TextBox 2">
+            <a:extLst>
+              <a:ext uri="{FF2B5EF4-FFF2-40B4-BE49-F238E27FC236}">
+                <a16:creationId xmlns:a16="http://schemas.microsoft.com/office/drawing/2014/main" id="{01D0FE12-F166-4759-BD19-1B7D1D017DE1}"/>
+              </a:ext>
+            </a:extLst>
+          </p:cNvPr>
+          <p:cNvSpPr txBox="1"/>
+          <p:nvPr/>
+        </p:nvSpPr>
+        <p:spPr>
+          <a:xfrm>
+            <a:off x="4141561" y="2242609"/>
+            <a:ext cx="1152676" cy="369332"/>
+          </a:xfrm>
+          <a:prstGeom prst="rect">
+            <a:avLst/>
+          </a:prstGeom>
+          <a:noFill/>
+        </p:spPr>
+        <p:txBody>
+          <a:bodyPr rot="0" spcFirstLastPara="0" vertOverflow="overflow" horzOverflow="overflow" vert="horz" wrap="square" lIns="91440" tIns="45720" rIns="91440" bIns="45720" numCol="1" spcCol="0" rtlCol="0" fromWordArt="0" anchor="t" anchorCtr="0" forceAA="0" compatLnSpc="1">
+            <a:prstTxWarp prst="textNoShape">
+              <a:avLst/>
+            </a:prstTxWarp>
+            <a:spAutoFit/>
+          </a:bodyPr>
+          <a:lstStyle/>
+          <a:p>
+            <a:pPr algn="ctr"/>
+            <a:r>
+              <a:rPr lang="en-US"/>
+              <a:t>slip angle</a:t>
+            </a:r>
+          </a:p>
+        </p:txBody>
+      </p:sp>
+      <p:sp>
+        <p:nvSpPr>
+          <p:cNvPr id="4" name="TextBox 3">
+            <a:extLst>
+              <a:ext uri="{FF2B5EF4-FFF2-40B4-BE49-F238E27FC236}">
+                <a16:creationId xmlns:a16="http://schemas.microsoft.com/office/drawing/2014/main" id="{6A99CEF1-9C19-4C08-AB3D-42D8747B2E42}"/>
+              </a:ext>
+            </a:extLst>
+          </p:cNvPr>
+          <p:cNvSpPr txBox="1"/>
+          <p:nvPr/>
+        </p:nvSpPr>
+        <p:spPr>
+          <a:xfrm>
+            <a:off x="5181750" y="2127703"/>
+            <a:ext cx="1793723" cy="369332"/>
+          </a:xfrm>
+          <a:prstGeom prst="rect">
+            <a:avLst/>
+          </a:prstGeom>
+          <a:noFill/>
+        </p:spPr>
+        <p:txBody>
+          <a:bodyPr rot="0" spcFirstLastPara="0" vertOverflow="overflow" horzOverflow="overflow" vert="horz" wrap="square" lIns="91440" tIns="45720" rIns="91440" bIns="45720" numCol="1" spcCol="0" rtlCol="0" fromWordArt="0" anchor="t" anchorCtr="0" forceAA="0" compatLnSpc="1">
+            <a:prstTxWarp prst="textNoShape">
+              <a:avLst/>
+            </a:prstTxWarp>
+            <a:spAutoFit/>
+          </a:bodyPr>
+          <a:lstStyle/>
+          <a:p>
+            <a:pPr algn="ctr"/>
+            <a:r>
+              <a:rPr lang="en-US"/>
+              <a:t>mu max (0.76)</a:t>
+            </a:r>
+          </a:p>
+        </p:txBody>
+      </p:sp>
+      <p:cxnSp>
+        <p:nvCxnSpPr>
+          <p:cNvPr id="5" name="Straight Arrow Connector 4">
+            <a:extLst>
+              <a:ext uri="{FF2B5EF4-FFF2-40B4-BE49-F238E27FC236}">
+                <a16:creationId xmlns:a16="http://schemas.microsoft.com/office/drawing/2014/main" id="{F7C32D8A-366D-47B0-A590-5EFD5FD9FA49}"/>
+              </a:ext>
+            </a:extLst>
+          </p:cNvPr>
+          <p:cNvCxnSpPr/>
+          <p:nvPr/>
+        </p:nvCxnSpPr>
+        <p:spPr>
+          <a:xfrm flipV="1">
+            <a:off x="5283502" y="2465311"/>
+            <a:ext cx="1608666" cy="6048"/>
+          </a:xfrm>
+          <a:prstGeom prst="straightConnector1">
+            <a:avLst/>
+          </a:prstGeom>
+        </p:spPr>
+        <p:style>
+          <a:lnRef idx="1">
+            <a:schemeClr val="accent1"/>
+          </a:lnRef>
+          <a:fillRef idx="0">
+            <a:schemeClr val="accent1"/>
+          </a:fillRef>
+          <a:effectRef idx="0">
+            <a:schemeClr val="accent1"/>
+          </a:effectRef>
+          <a:fontRef idx="minor">
+            <a:schemeClr val="tx1"/>
+          </a:fontRef>
+        </p:style>
+      </p:cxnSp>
+      <p:sp>
+        <p:nvSpPr>
+          <p:cNvPr id="6" name="TextBox 5">
+            <a:extLst>
+              <a:ext uri="{FF2B5EF4-FFF2-40B4-BE49-F238E27FC236}">
+                <a16:creationId xmlns:a16="http://schemas.microsoft.com/office/drawing/2014/main" id="{417AD5CF-FD9D-45A1-B1F0-9BFFE4320B04}"/>
+              </a:ext>
+            </a:extLst>
+          </p:cNvPr>
+          <p:cNvSpPr txBox="1"/>
+          <p:nvPr/>
+        </p:nvSpPr>
+        <p:spPr>
+          <a:xfrm>
+            <a:off x="5211989" y="2466370"/>
+            <a:ext cx="1630437" cy="923330"/>
+          </a:xfrm>
+          <a:prstGeom prst="rect">
+            <a:avLst/>
+          </a:prstGeom>
+          <a:noFill/>
+        </p:spPr>
+        <p:txBody>
+          <a:bodyPr rot="0" spcFirstLastPara="0" vertOverflow="overflow" horzOverflow="overflow" vert="horz" wrap="square" lIns="91440" tIns="45720" rIns="91440" bIns="45720" numCol="1" spcCol="0" rtlCol="0" fromWordArt="0" anchor="t" anchorCtr="0" forceAA="0" compatLnSpc="1">
+            <a:prstTxWarp prst="textNoShape">
+              <a:avLst/>
+            </a:prstTxWarp>
+            <a:spAutoFit/>
+          </a:bodyPr>
+          <a:lstStyle/>
+          <a:p>
+            <a:pPr algn="ctr"/>
+            <a:r>
+              <a:rPr lang="en-US"/>
+              <a:t>alpha max (max slip angle x mu max)</a:t>
+            </a:r>
+          </a:p>
+        </p:txBody>
+      </p:sp>
+      <p:sp>
+        <p:nvSpPr>
+          <p:cNvPr id="7" name="TextBox 6">
+            <a:extLst>
+              <a:ext uri="{FF2B5EF4-FFF2-40B4-BE49-F238E27FC236}">
+                <a16:creationId xmlns:a16="http://schemas.microsoft.com/office/drawing/2014/main" id="{6048FA9A-3A78-4FB6-A7CB-FBDF40B22B65}"/>
+              </a:ext>
+            </a:extLst>
+          </p:cNvPr>
+          <p:cNvSpPr txBox="1"/>
+          <p:nvPr/>
+        </p:nvSpPr>
+        <p:spPr>
+          <a:xfrm>
+            <a:off x="6669465" y="2284941"/>
+            <a:ext cx="2035628" cy="369332"/>
+          </a:xfrm>
+          <a:prstGeom prst="rect">
+            <a:avLst/>
+          </a:prstGeom>
+          <a:noFill/>
+        </p:spPr>
+        <p:txBody>
+          <a:bodyPr rot="0" spcFirstLastPara="0" vertOverflow="overflow" horzOverflow="overflow" vert="horz" wrap="square" lIns="91440" tIns="45720" rIns="91440" bIns="45720" numCol="1" spcCol="0" rtlCol="0" fromWordArt="0" anchor="t" anchorCtr="0" forceAA="0" compatLnSpc="1">
+            <a:prstTxWarp prst="textNoShape">
+              <a:avLst/>
+            </a:prstTxWarp>
+            <a:spAutoFit/>
+          </a:bodyPr>
+          <a:lstStyle/>
+          <a:p>
+            <a:pPr algn="ctr"/>
+            <a:r>
+              <a:rPr lang="en-US"/>
+              <a:t>Vertical force</a:t>
+            </a:r>
+          </a:p>
+        </p:txBody>
+      </p:sp>
+      <p:sp>
+        <p:nvSpPr>
+          <p:cNvPr id="8" name="TextBox 7">
+            <a:extLst>
+              <a:ext uri="{FF2B5EF4-FFF2-40B4-BE49-F238E27FC236}">
+                <a16:creationId xmlns:a16="http://schemas.microsoft.com/office/drawing/2014/main" id="{93D66C32-5C9E-4B72-B9F7-2A82DDF65F16}"/>
+              </a:ext>
+            </a:extLst>
+          </p:cNvPr>
+          <p:cNvSpPr txBox="1"/>
+          <p:nvPr/>
+        </p:nvSpPr>
+        <p:spPr>
+          <a:xfrm>
+            <a:off x="53370" y="1438276"/>
+            <a:ext cx="3831771" cy="369332"/>
+          </a:xfrm>
+          <a:prstGeom prst="rect">
+            <a:avLst/>
+          </a:prstGeom>
+          <a:noFill/>
+        </p:spPr>
+        <p:txBody>
+          <a:bodyPr rot="0" spcFirstLastPara="0" vertOverflow="overflow" horzOverflow="overflow" vert="horz" wrap="square" lIns="91440" tIns="45720" rIns="91440" bIns="45720" numCol="1" spcCol="0" rtlCol="0" fromWordArt="0" anchor="t" anchorCtr="0" forceAA="0" compatLnSpc="1">
+            <a:prstTxWarp prst="textNoShape">
+              <a:avLst/>
+            </a:prstTxWarp>
+            <a:spAutoFit/>
+          </a:bodyPr>
+          <a:lstStyle/>
+          <a:p>
+            <a:pPr algn="ctr"/>
+            <a:r>
+              <a:rPr lang="en-US"/>
+              <a:t>lateral force when tire is not saturated:</a:t>
+            </a:r>
+          </a:p>
+        </p:txBody>
+      </p:sp>
+      <p:sp>
+        <p:nvSpPr>
+          <p:cNvPr id="9" name="TextBox 8">
+            <a:extLst>
+              <a:ext uri="{FF2B5EF4-FFF2-40B4-BE49-F238E27FC236}">
+                <a16:creationId xmlns:a16="http://schemas.microsoft.com/office/drawing/2014/main" id="{B18A78E7-9C04-49B6-80EC-A3513373376B}"/>
+              </a:ext>
+            </a:extLst>
+          </p:cNvPr>
+          <p:cNvSpPr txBox="1"/>
+          <p:nvPr/>
+        </p:nvSpPr>
+        <p:spPr>
+          <a:xfrm>
+            <a:off x="4584548" y="4082596"/>
+            <a:ext cx="2743199" cy="369332"/>
+          </a:xfrm>
+          <a:prstGeom prst="rect">
+            <a:avLst/>
+          </a:prstGeom>
+          <a:noFill/>
+        </p:spPr>
+        <p:txBody>
+          <a:bodyPr rot="0" spcFirstLastPara="0" vertOverflow="overflow" horzOverflow="overflow" vert="horz" wrap="square" lIns="91440" tIns="45720" rIns="91440" bIns="45720" numCol="1" spcCol="0" rtlCol="0" fromWordArt="0" anchor="t" anchorCtr="0" forceAA="0" compatLnSpc="1">
+            <a:prstTxWarp prst="textNoShape">
+              <a:avLst/>
+            </a:prstTxWarp>
+            <a:spAutoFit/>
+          </a:bodyPr>
+          <a:lstStyle/>
+          <a:p>
+            <a:r>
+              <a:rPr lang="en-US"/>
+              <a:t>max slip angle = 10 degrees</a:t>
+            </a:r>
+          </a:p>
+        </p:txBody>
+      </p:sp>
+    </p:spTree>
+    <p:extLst>
+      <p:ext uri="{BB962C8B-B14F-4D97-AF65-F5344CB8AC3E}">
+        <p14:creationId xmlns:p14="http://schemas.microsoft.com/office/powerpoint/2010/main" val="784343645"/>
       </p:ext>
     </p:extLst>
   </p:cSld>
@@ -3634,7 +4873,7 @@
           <a:lstStyle/>
           <a:p>
             <a:r>
-              <a:rPr lang="en-US" dirty="0"/>
+              <a:rPr lang="en-US"/>
               <a:t>Inputs</a:t>
             </a:r>
           </a:p>
@@ -3692,8 +4931,8 @@
         </p:blipFill>
         <p:spPr>
           <a:xfrm>
-            <a:off x="1633505" y="871519"/>
-            <a:ext cx="8924990" cy="5114962"/>
+            <a:off x="971491" y="605704"/>
+            <a:ext cx="10520594" cy="6030399"/>
           </a:xfrm>
           <a:prstGeom prst="rect">
             <a:avLst/>
@@ -3812,8 +5051,8 @@
         </p:blipFill>
         <p:spPr>
           <a:xfrm>
-            <a:off x="2534063" y="0"/>
-            <a:ext cx="7123874" cy="6858000"/>
+            <a:off x="3196941" y="607121"/>
+            <a:ext cx="6145045" cy="5916342"/>
           </a:xfrm>
           <a:prstGeom prst="rect">
             <a:avLst/>
@@ -4004,6 +5243,114 @@
     <p:extLst>
       <p:ext uri="{BB962C8B-B14F-4D97-AF65-F5344CB8AC3E}">
         <p14:creationId xmlns:p14="http://schemas.microsoft.com/office/powerpoint/2010/main" val="3716196411"/>
+      </p:ext>
+    </p:extLst>
+  </p:cSld>
+  <p:clrMapOvr>
+    <a:masterClrMapping/>
+  </p:clrMapOvr>
+</p:sld>
+</file>
+
+<file path=ppt/slides/slide9.xml><?xml version="1.0" encoding="utf-8"?>
+<p:sld xmlns:a="http://schemas.openxmlformats.org/drawingml/2006/main" xmlns:r="http://schemas.openxmlformats.org/officeDocument/2006/relationships" xmlns:p="http://schemas.openxmlformats.org/presentationml/2006/main">
+  <p:cSld>
+    <p:spTree>
+      <p:nvGrpSpPr>
+        <p:cNvPr id="1" name=""/>
+        <p:cNvGrpSpPr/>
+        <p:nvPr/>
+      </p:nvGrpSpPr>
+      <p:grpSpPr>
+        <a:xfrm>
+          <a:off x="0" y="0"/>
+          <a:ext cx="0" cy="0"/>
+          <a:chOff x="0" y="0"/>
+          <a:chExt cx="0" cy="0"/>
+        </a:xfrm>
+      </p:grpSpPr>
+      <p:sp>
+        <p:nvSpPr>
+          <p:cNvPr id="2" name="Title 1">
+            <a:extLst>
+              <a:ext uri="{FF2B5EF4-FFF2-40B4-BE49-F238E27FC236}">
+                <a16:creationId xmlns:a16="http://schemas.microsoft.com/office/drawing/2014/main" id="{6680F515-41F3-493B-99D6-C41A6C9A269B}"/>
+              </a:ext>
+            </a:extLst>
+          </p:cNvPr>
+          <p:cNvSpPr>
+            <a:spLocks noGrp="1"/>
+          </p:cNvSpPr>
+          <p:nvPr>
+            <p:ph type="ctrTitle"/>
+          </p:nvPr>
+        </p:nvSpPr>
+        <p:spPr/>
+        <p:txBody>
+          <a:bodyPr/>
+          <a:lstStyle/>
+          <a:p>
+            <a:r>
+              <a:rPr lang="en-US"/>
+              <a:t>PC Crash – 15 mph Steer Comparison</a:t>
+            </a:r>
+          </a:p>
+        </p:txBody>
+      </p:sp>
+      <p:sp>
+        <p:nvSpPr>
+          <p:cNvPr id="3" name="Subtitle 2">
+            <a:extLst>
+              <a:ext uri="{FF2B5EF4-FFF2-40B4-BE49-F238E27FC236}">
+                <a16:creationId xmlns:a16="http://schemas.microsoft.com/office/drawing/2014/main" id="{21D8878B-0A3F-4FA7-8D97-CD56974EBDFD}"/>
+              </a:ext>
+            </a:extLst>
+          </p:cNvPr>
+          <p:cNvSpPr>
+            <a:spLocks noGrp="1"/>
+          </p:cNvSpPr>
+          <p:nvPr>
+            <p:ph type="subTitle" idx="1"/>
+          </p:nvPr>
+        </p:nvSpPr>
+        <p:spPr/>
+        <p:txBody>
+          <a:bodyPr vert="horz" lIns="91440" tIns="45720" rIns="91440" bIns="45720" rtlCol="0" anchor="t">
+            <a:normAutofit/>
+          </a:bodyPr>
+          <a:lstStyle/>
+          <a:p>
+            <a:r>
+              <a:rPr lang="en-US">
+                <a:ea typeface="+mn-lt"/>
+                <a:cs typeface="+mn-lt"/>
+              </a:rPr>
+              <a:t>PC Crash – No CG Height</a:t>
+            </a:r>
+          </a:p>
+          <a:p>
+            <a:r>
+              <a:rPr lang="en-US" err="1">
+                <a:ea typeface="+mn-lt"/>
+                <a:cs typeface="+mn-lt"/>
+              </a:rPr>
+              <a:t>Pycrash</a:t>
+            </a:r>
+            <a:r>
+              <a:rPr lang="en-US">
+                <a:ea typeface="+mn-lt"/>
+                <a:cs typeface="+mn-lt"/>
+              </a:rPr>
+              <a:t> CG height = 0</a:t>
+            </a:r>
+            <a:endParaRPr lang="en-US"/>
+          </a:p>
+        </p:txBody>
+      </p:sp>
+    </p:spTree>
+    <p:extLst>
+      <p:ext uri="{BB962C8B-B14F-4D97-AF65-F5344CB8AC3E}">
+        <p14:creationId xmlns:p14="http://schemas.microsoft.com/office/powerpoint/2010/main" val="4022064635"/>
       </p:ext>
     </p:extLst>
   </p:cSld>

--- a/projects/validation - single vehicle motion/reports/Pycrash Results 15 mph steer.pptx
+++ b/projects/validation - single vehicle motion/reports/Pycrash Results 15 mph steer.pptx
@@ -130,7 +130,6 @@
 <file path=ppt/revisionInfo.xml><?xml version="1.0" encoding="utf-8"?>
 <p1510:revInfo xmlns:a="http://schemas.openxmlformats.org/drawingml/2006/main" xmlns:r="http://schemas.openxmlformats.org/officeDocument/2006/relationships" xmlns:p1510="http://schemas.microsoft.com/office/powerpoint/2015/10/main">
   <p1510:revLst>
-    <p1510:client id="{D419296E-E52F-475F-910A-631D93E10A93}" v="642" dt="2020-10-06T01:10:00.524"/>
     <p1510:client id="{D45B304D-D94D-49D7-AF86-D7FAD3CC5128}" v="7" dt="2020-10-03T14:31:56.675"/>
   </p1510:revLst>
 </p1510:revInfo>
@@ -141,7 +140,7 @@
   <pc:docChgLst>
     <pc:chgData name="Joseph Cormier" userId="260f1994eb51c2be" providerId="LiveId" clId="{D45B304D-D94D-49D7-AF86-D7FAD3CC5128}"/>
     <pc:docChg chg="custSel addSld modSld sldOrd">
-      <pc:chgData name="Joseph Cormier" userId="260f1994eb51c2be" providerId="LiveId" clId="{D45B304D-D94D-49D7-AF86-D7FAD3CC5128}" dt="2020-10-03T14:31:56.675" v="63"/>
+      <pc:chgData name="Joseph Cormier" userId="260f1994eb51c2be" providerId="LiveId" clId="{D45B304D-D94D-49D7-AF86-D7FAD3CC5128}" dt="2020-10-09T15:09:56.690" v="79" actId="1076"/>
       <pc:docMkLst>
         <pc:docMk/>
       </pc:docMkLst>
@@ -229,18 +228,26 @@
           </ac:picMkLst>
         </pc:picChg>
       </pc:sldChg>
-      <pc:sldChg chg="addSp new">
-        <pc:chgData name="Joseph Cormier" userId="260f1994eb51c2be" providerId="LiveId" clId="{D45B304D-D94D-49D7-AF86-D7FAD3CC5128}" dt="2020-10-03T14:21:00.837" v="57"/>
+      <pc:sldChg chg="addSp modSp new mod">
+        <pc:chgData name="Joseph Cormier" userId="260f1994eb51c2be" providerId="LiveId" clId="{D45B304D-D94D-49D7-AF86-D7FAD3CC5128}" dt="2020-10-09T15:04:32.730" v="78" actId="1076"/>
         <pc:sldMkLst>
           <pc:docMk/>
           <pc:sldMk cId="689263968" sldId="260"/>
         </pc:sldMkLst>
-        <pc:picChg chg="add">
-          <ac:chgData name="Joseph Cormier" userId="260f1994eb51c2be" providerId="LiveId" clId="{D45B304D-D94D-49D7-AF86-D7FAD3CC5128}" dt="2020-10-03T14:21:00.837" v="57"/>
+        <pc:picChg chg="add mod">
+          <ac:chgData name="Joseph Cormier" userId="260f1994eb51c2be" providerId="LiveId" clId="{D45B304D-D94D-49D7-AF86-D7FAD3CC5128}" dt="2020-10-09T15:04:30.372" v="77" actId="1076"/>
           <ac:picMkLst>
             <pc:docMk/>
             <pc:sldMk cId="689263968" sldId="260"/>
             <ac:picMk id="2" creationId="{E3568E1D-5CAE-474B-993F-377658698C29}"/>
+          </ac:picMkLst>
+        </pc:picChg>
+        <pc:picChg chg="add mod">
+          <ac:chgData name="Joseph Cormier" userId="260f1994eb51c2be" providerId="LiveId" clId="{D45B304D-D94D-49D7-AF86-D7FAD3CC5128}" dt="2020-10-09T15:04:32.730" v="78" actId="1076"/>
+          <ac:picMkLst>
+            <pc:docMk/>
+            <pc:sldMk cId="689263968" sldId="260"/>
+            <ac:picMk id="4" creationId="{63DB4745-F8DD-4BBE-9D7B-281525D51AE4}"/>
           </ac:picMkLst>
         </pc:picChg>
       </pc:sldChg>
@@ -288,6 +295,21 @@
             <ac:picMk id="2" creationId="{839F71BC-B74E-4D7A-89E1-B1F3C443601C}"/>
           </ac:picMkLst>
         </pc:picChg>
+      </pc:sldChg>
+      <pc:sldChg chg="modSp mod">
+        <pc:chgData name="Joseph Cormier" userId="260f1994eb51c2be" providerId="LiveId" clId="{D45B304D-D94D-49D7-AF86-D7FAD3CC5128}" dt="2020-10-09T15:09:56.690" v="79" actId="1076"/>
+        <pc:sldMkLst>
+          <pc:docMk/>
+          <pc:sldMk cId="784343645" sldId="271"/>
+        </pc:sldMkLst>
+        <pc:spChg chg="mod">
+          <ac:chgData name="Joseph Cormier" userId="260f1994eb51c2be" providerId="LiveId" clId="{D45B304D-D94D-49D7-AF86-D7FAD3CC5128}" dt="2020-10-09T15:09:56.690" v="79" actId="1076"/>
+          <ac:spMkLst>
+            <pc:docMk/>
+            <pc:sldMk cId="784343645" sldId="271"/>
+            <ac:spMk id="9" creationId="{B18A78E7-9C04-49B6-80EC-A3513373376B}"/>
+          </ac:spMkLst>
+        </pc:spChg>
       </pc:sldChg>
     </pc:docChg>
   </pc:docChgLst>
@@ -807,7 +829,7 @@
           <a:p>
             <a:fld id="{03870C9C-E5D7-4B45-9496-E42E40903DD1}" type="datetimeFigureOut">
               <a:rPr lang="en-US" smtClean="0"/>
-              <a:t>10/5/2020</a:t>
+              <a:t>10/9/2020</a:t>
             </a:fld>
             <a:endParaRPr lang="en-US"/>
           </a:p>
@@ -1005,7 +1027,7 @@
           <a:p>
             <a:fld id="{03870C9C-E5D7-4B45-9496-E42E40903DD1}" type="datetimeFigureOut">
               <a:rPr lang="en-US" smtClean="0"/>
-              <a:t>10/5/2020</a:t>
+              <a:t>10/9/2020</a:t>
             </a:fld>
             <a:endParaRPr lang="en-US"/>
           </a:p>
@@ -1213,7 +1235,7 @@
           <a:p>
             <a:fld id="{03870C9C-E5D7-4B45-9496-E42E40903DD1}" type="datetimeFigureOut">
               <a:rPr lang="en-US" smtClean="0"/>
-              <a:t>10/5/2020</a:t>
+              <a:t>10/9/2020</a:t>
             </a:fld>
             <a:endParaRPr lang="en-US"/>
           </a:p>
@@ -1411,7 +1433,7 @@
           <a:p>
             <a:fld id="{03870C9C-E5D7-4B45-9496-E42E40903DD1}" type="datetimeFigureOut">
               <a:rPr lang="en-US" smtClean="0"/>
-              <a:t>10/5/2020</a:t>
+              <a:t>10/9/2020</a:t>
             </a:fld>
             <a:endParaRPr lang="en-US"/>
           </a:p>
@@ -1686,7 +1708,7 @@
           <a:p>
             <a:fld id="{03870C9C-E5D7-4B45-9496-E42E40903DD1}" type="datetimeFigureOut">
               <a:rPr lang="en-US" smtClean="0"/>
-              <a:t>10/5/2020</a:t>
+              <a:t>10/9/2020</a:t>
             </a:fld>
             <a:endParaRPr lang="en-US"/>
           </a:p>
@@ -1951,7 +1973,7 @@
           <a:p>
             <a:fld id="{03870C9C-E5D7-4B45-9496-E42E40903DD1}" type="datetimeFigureOut">
               <a:rPr lang="en-US" smtClean="0"/>
-              <a:t>10/5/2020</a:t>
+              <a:t>10/9/2020</a:t>
             </a:fld>
             <a:endParaRPr lang="en-US"/>
           </a:p>
@@ -2363,7 +2385,7 @@
           <a:p>
             <a:fld id="{03870C9C-E5D7-4B45-9496-E42E40903DD1}" type="datetimeFigureOut">
               <a:rPr lang="en-US" smtClean="0"/>
-              <a:t>10/5/2020</a:t>
+              <a:t>10/9/2020</a:t>
             </a:fld>
             <a:endParaRPr lang="en-US"/>
           </a:p>
@@ -2504,7 +2526,7 @@
           <a:p>
             <a:fld id="{03870C9C-E5D7-4B45-9496-E42E40903DD1}" type="datetimeFigureOut">
               <a:rPr lang="en-US" smtClean="0"/>
-              <a:t>10/5/2020</a:t>
+              <a:t>10/9/2020</a:t>
             </a:fld>
             <a:endParaRPr lang="en-US"/>
           </a:p>
@@ -2617,7 +2639,7 @@
           <a:p>
             <a:fld id="{03870C9C-E5D7-4B45-9496-E42E40903DD1}" type="datetimeFigureOut">
               <a:rPr lang="en-US" smtClean="0"/>
-              <a:t>10/5/2020</a:t>
+              <a:t>10/9/2020</a:t>
             </a:fld>
             <a:endParaRPr lang="en-US"/>
           </a:p>
@@ -2928,7 +2950,7 @@
           <a:p>
             <a:fld id="{03870C9C-E5D7-4B45-9496-E42E40903DD1}" type="datetimeFigureOut">
               <a:rPr lang="en-US" smtClean="0"/>
-              <a:t>10/5/2020</a:t>
+              <a:t>10/9/2020</a:t>
             </a:fld>
             <a:endParaRPr lang="en-US"/>
           </a:p>
@@ -3216,7 +3238,7 @@
           <a:p>
             <a:fld id="{03870C9C-E5D7-4B45-9496-E42E40903DD1}" type="datetimeFigureOut">
               <a:rPr lang="en-US" smtClean="0"/>
-              <a:t>10/5/2020</a:t>
+              <a:t>10/9/2020</a:t>
             </a:fld>
             <a:endParaRPr lang="en-US"/>
           </a:p>
@@ -3457,7 +3479,7 @@
           <a:p>
             <a:fld id="{03870C9C-E5D7-4B45-9496-E42E40903DD1}" type="datetimeFigureOut">
               <a:rPr lang="en-US" smtClean="0"/>
-              <a:t>10/5/2020</a:t>
+              <a:t>10/9/2020</a:t>
             </a:fld>
             <a:endParaRPr lang="en-US"/>
           </a:p>
@@ -4589,7 +4611,7 @@
           <a:p>
             <a:pPr algn="ctr"/>
             <a:r>
-              <a:rPr lang="en-US"/>
+              <a:rPr lang="en-US" dirty="0"/>
               <a:t>mu max (0.76)</a:t>
             </a:r>
           </a:p>
@@ -4664,7 +4686,7 @@
           <a:p>
             <a:pPr algn="ctr"/>
             <a:r>
-              <a:rPr lang="en-US"/>
+              <a:rPr lang="en-US" dirty="0"/>
               <a:t>alpha max (max slip angle x mu max)</a:t>
             </a:r>
           </a:p>
@@ -4762,7 +4784,7 @@
         </p:nvSpPr>
         <p:spPr>
           <a:xfrm>
-            <a:off x="4584548" y="4082596"/>
+            <a:off x="4655607" y="3939721"/>
             <a:ext cx="2743199" cy="369332"/>
           </a:xfrm>
           <a:prstGeom prst="rect">
@@ -4780,7 +4802,7 @@
           <a:lstStyle/>
           <a:p>
             <a:r>
-              <a:rPr lang="en-US"/>
+              <a:rPr lang="en-US" dirty="0"/>
               <a:t>max slip angle = 10 degrees</a:t>
             </a:r>
           </a:p>
@@ -5051,8 +5073,38 @@
         </p:blipFill>
         <p:spPr>
           <a:xfrm>
-            <a:off x="3196941" y="607121"/>
-            <a:ext cx="6145045" cy="5916342"/>
+            <a:off x="151394" y="458017"/>
+            <a:ext cx="5944606" cy="5723363"/>
+          </a:xfrm>
+          <a:prstGeom prst="rect">
+            <a:avLst/>
+          </a:prstGeom>
+        </p:spPr>
+      </p:pic>
+      <p:pic>
+        <p:nvPicPr>
+          <p:cNvPr id="4" name="Picture 3">
+            <a:extLst>
+              <a:ext uri="{FF2B5EF4-FFF2-40B4-BE49-F238E27FC236}">
+                <a16:creationId xmlns:a16="http://schemas.microsoft.com/office/drawing/2014/main" id="{63DB4745-F8DD-4BBE-9D7B-281525D51AE4}"/>
+              </a:ext>
+            </a:extLst>
+          </p:cNvPr>
+          <p:cNvPicPr>
+            <a:picLocks noChangeAspect="1"/>
+          </p:cNvPicPr>
+          <p:nvPr/>
+        </p:nvPicPr>
+        <p:blipFill>
+          <a:blip r:embed="rId3"/>
+          <a:stretch>
+            <a:fillRect/>
+          </a:stretch>
+        </p:blipFill>
+        <p:spPr>
+          <a:xfrm>
+            <a:off x="6096000" y="500470"/>
+            <a:ext cx="6058102" cy="5857059"/>
           </a:xfrm>
           <a:prstGeom prst="rect">
             <a:avLst/>
@@ -5321,7 +5373,7 @@
           <a:lstStyle/>
           <a:p>
             <a:r>
-              <a:rPr lang="en-US">
+              <a:rPr lang="en-US" dirty="0">
                 <a:ea typeface="+mn-lt"/>
                 <a:cs typeface="+mn-lt"/>
               </a:rPr>
@@ -5330,20 +5382,20 @@
           </a:p>
           <a:p>
             <a:r>
-              <a:rPr lang="en-US" err="1">
+              <a:rPr lang="en-US" dirty="0" err="1">
                 <a:ea typeface="+mn-lt"/>
                 <a:cs typeface="+mn-lt"/>
               </a:rPr>
               <a:t>Pycrash</a:t>
             </a:r>
             <a:r>
-              <a:rPr lang="en-US">
+              <a:rPr lang="en-US" dirty="0">
                 <a:ea typeface="+mn-lt"/>
                 <a:cs typeface="+mn-lt"/>
               </a:rPr>
               <a:t> CG height = 0</a:t>
             </a:r>
-            <a:endParaRPr lang="en-US"/>
+            <a:endParaRPr lang="en-US" dirty="0"/>
           </a:p>
         </p:txBody>
       </p:sp>
